--- a/docs/diagrams/StorageComponentClassDiagram.pptx
+++ b/docs/diagrams/StorageComponentClassDiagram.pptx
@@ -107,6 +107,22 @@
       </a:defRPr>
     </a:lvl9pPr>
   </p:defaultTextStyle>
+  <p:extLst>
+    <p:ext uri="{EFAFB233-063F-42B5-8137-9DF3F51BA10A}">
+      <p15:sldGuideLst xmlns:p15="http://schemas.microsoft.com/office/powerpoint/2012/main">
+        <p15:guide id="1" orient="horz" pos="1488">
+          <p15:clr>
+            <a:srgbClr val="A4A3A4"/>
+          </p15:clr>
+        </p15:guide>
+        <p15:guide id="2" pos="2880">
+          <p15:clr>
+            <a:srgbClr val="A4A3A4"/>
+          </p15:clr>
+        </p15:guide>
+      </p15:sldGuideLst>
+    </p:ext>
+  </p:extLst>
 </p:presentation>
 </file>
 
@@ -192,7 +208,7 @@
           <a:p>
             <a:fld id="{F5CC4B3F-88C1-4FFA-B1B6-F41C21DC6924}" type="datetimeFigureOut">
               <a:rPr lang="en-US" smtClean="0"/>
-              <a:t>10/16/2016</a:t>
+              <a:t>15/4/2018</a:t>
             </a:fld>
             <a:endParaRPr lang="en-US"/>
           </a:p>
@@ -641,7 +657,7 @@
           <a:p>
             <a:fld id="{78C97017-6FC3-485B-9764-EAC9E56C1D49}" type="datetimeFigureOut">
               <a:rPr lang="en-US" smtClean="0"/>
-              <a:t>10/16/2016</a:t>
+              <a:t>15/4/2018</a:t>
             </a:fld>
             <a:endParaRPr lang="en-US"/>
           </a:p>
@@ -811,7 +827,7 @@
           <a:p>
             <a:fld id="{78C97017-6FC3-485B-9764-EAC9E56C1D49}" type="datetimeFigureOut">
               <a:rPr lang="en-US" smtClean="0"/>
-              <a:t>10/16/2016</a:t>
+              <a:t>15/4/2018</a:t>
             </a:fld>
             <a:endParaRPr lang="en-US"/>
           </a:p>
@@ -991,7 +1007,7 @@
           <a:p>
             <a:fld id="{78C97017-6FC3-485B-9764-EAC9E56C1D49}" type="datetimeFigureOut">
               <a:rPr lang="en-US" smtClean="0"/>
-              <a:t>10/16/2016</a:t>
+              <a:t>15/4/2018</a:t>
             </a:fld>
             <a:endParaRPr lang="en-US"/>
           </a:p>
@@ -1161,7 +1177,7 @@
           <a:p>
             <a:fld id="{78C97017-6FC3-485B-9764-EAC9E56C1D49}" type="datetimeFigureOut">
               <a:rPr lang="en-US" smtClean="0"/>
-              <a:t>10/16/2016</a:t>
+              <a:t>15/4/2018</a:t>
             </a:fld>
             <a:endParaRPr lang="en-US"/>
           </a:p>
@@ -1407,7 +1423,7 @@
           <a:p>
             <a:fld id="{78C97017-6FC3-485B-9764-EAC9E56C1D49}" type="datetimeFigureOut">
               <a:rPr lang="en-US" smtClean="0"/>
-              <a:t>10/16/2016</a:t>
+              <a:t>15/4/2018</a:t>
             </a:fld>
             <a:endParaRPr lang="en-US"/>
           </a:p>
@@ -1695,7 +1711,7 @@
           <a:p>
             <a:fld id="{78C97017-6FC3-485B-9764-EAC9E56C1D49}" type="datetimeFigureOut">
               <a:rPr lang="en-US" smtClean="0"/>
-              <a:t>10/16/2016</a:t>
+              <a:t>15/4/2018</a:t>
             </a:fld>
             <a:endParaRPr lang="en-US"/>
           </a:p>
@@ -2117,7 +2133,7 @@
           <a:p>
             <a:fld id="{78C97017-6FC3-485B-9764-EAC9E56C1D49}" type="datetimeFigureOut">
               <a:rPr lang="en-US" smtClean="0"/>
-              <a:t>10/16/2016</a:t>
+              <a:t>15/4/2018</a:t>
             </a:fld>
             <a:endParaRPr lang="en-US"/>
           </a:p>
@@ -2235,7 +2251,7 @@
           <a:p>
             <a:fld id="{78C97017-6FC3-485B-9764-EAC9E56C1D49}" type="datetimeFigureOut">
               <a:rPr lang="en-US" smtClean="0"/>
-              <a:t>10/16/2016</a:t>
+              <a:t>15/4/2018</a:t>
             </a:fld>
             <a:endParaRPr lang="en-US"/>
           </a:p>
@@ -2330,7 +2346,7 @@
           <a:p>
             <a:fld id="{78C97017-6FC3-485B-9764-EAC9E56C1D49}" type="datetimeFigureOut">
               <a:rPr lang="en-US" smtClean="0"/>
-              <a:t>10/16/2016</a:t>
+              <a:t>15/4/2018</a:t>
             </a:fld>
             <a:endParaRPr lang="en-US"/>
           </a:p>
@@ -2607,7 +2623,7 @@
           <a:p>
             <a:fld id="{78C97017-6FC3-485B-9764-EAC9E56C1D49}" type="datetimeFigureOut">
               <a:rPr lang="en-US" smtClean="0"/>
-              <a:t>10/16/2016</a:t>
+              <a:t>15/4/2018</a:t>
             </a:fld>
             <a:endParaRPr lang="en-US"/>
           </a:p>
@@ -2860,7 +2876,7 @@
           <a:p>
             <a:fld id="{78C97017-6FC3-485B-9764-EAC9E56C1D49}" type="datetimeFigureOut">
               <a:rPr lang="en-US" smtClean="0"/>
-              <a:t>10/16/2016</a:t>
+              <a:t>15/4/2018</a:t>
             </a:fld>
             <a:endParaRPr lang="en-US"/>
           </a:p>
@@ -3073,7 +3089,7 @@
           <a:p>
             <a:fld id="{78C97017-6FC3-485B-9764-EAC9E56C1D49}" type="datetimeFigureOut">
               <a:rPr lang="en-US" smtClean="0"/>
-              <a:t>10/16/2016</a:t>
+              <a:t>15/4/2018</a:t>
             </a:fld>
             <a:endParaRPr lang="en-US"/>
           </a:p>
@@ -3457,7 +3473,7 @@
         <p:spPr>
           <a:xfrm>
             <a:off x="1119865" y="2086382"/>
-            <a:ext cx="7871735" cy="1723618"/>
+            <a:ext cx="7871735" cy="2180818"/>
           </a:xfrm>
           <a:prstGeom prst="roundRect">
             <a:avLst>
@@ -4805,6 +4821,142 @@
           <a:xfrm flipV="1">
             <a:off x="7220507" y="3333004"/>
             <a:ext cx="395231" cy="786"/>
+          </a:xfrm>
+          <a:prstGeom prst="bentConnector3">
+            <a:avLst>
+              <a:gd name="adj1" fmla="val 50000"/>
+            </a:avLst>
+          </a:prstGeom>
+          <a:ln w="19050">
+            <a:prstDash val="sysDot"/>
+            <a:headEnd type="none" w="med" len="med"/>
+            <a:tailEnd type="arrow" w="med" len="med"/>
+          </a:ln>
+          <a:effectLst/>
+        </p:spPr>
+        <p:style>
+          <a:lnRef idx="1">
+            <a:schemeClr val="accent6"/>
+          </a:lnRef>
+          <a:fillRef idx="2">
+            <a:schemeClr val="accent6"/>
+          </a:fillRef>
+          <a:effectRef idx="1">
+            <a:schemeClr val="accent6"/>
+          </a:effectRef>
+          <a:fontRef idx="minor">
+            <a:schemeClr val="dk1"/>
+          </a:fontRef>
+        </p:style>
+      </p:cxnSp>
+      <p:sp>
+        <p:nvSpPr>
+          <p:cNvPr id="26" name="Rectangle 8"/>
+          <p:cNvSpPr/>
+          <p:nvPr/>
+        </p:nvSpPr>
+        <p:spPr>
+          <a:xfrm>
+            <a:off x="7622088" y="3719097"/>
+            <a:ext cx="1259718" cy="346760"/>
+          </a:xfrm>
+          <a:prstGeom prst="rect">
+            <a:avLst/>
+          </a:prstGeom>
+          <a:ln w="19050"/>
+          <a:effectLst/>
+        </p:spPr>
+        <p:style>
+          <a:lnRef idx="1">
+            <a:schemeClr val="accent6"/>
+          </a:lnRef>
+          <a:fillRef idx="2">
+            <a:schemeClr val="accent6"/>
+          </a:fillRef>
+          <a:effectRef idx="1">
+            <a:schemeClr val="accent6"/>
+          </a:effectRef>
+          <a:fontRef idx="minor">
+            <a:schemeClr val="dk1"/>
+          </a:fontRef>
+        </p:style>
+        <p:txBody>
+          <a:bodyPr rtlCol="0" anchor="ctr"/>
+          <a:lstStyle/>
+          <a:p>
+            <a:pPr algn="ctr"/>
+            <a:r>
+              <a:rPr lang="en-US" sz="1050" b="1" dirty="0" err="1" smtClean="0">
+                <a:solidFill>
+                  <a:schemeClr val="accent6">
+                    <a:lumMod val="75000"/>
+                  </a:schemeClr>
+                </a:solidFill>
+              </a:rPr>
+              <a:t>XmlAdaptedTeam</a:t>
+            </a:r>
+            <a:endParaRPr lang="en-SG" sz="1050" b="1" dirty="0">
+              <a:solidFill>
+                <a:schemeClr val="accent6">
+                  <a:lumMod val="75000"/>
+                </a:schemeClr>
+              </a:solidFill>
+            </a:endParaRPr>
+          </a:p>
+        </p:txBody>
+      </p:sp>
+      <p:cxnSp>
+        <p:nvCxnSpPr>
+          <p:cNvPr id="27" name="Elbow Connector 122"/>
+          <p:cNvCxnSpPr>
+            <a:stCxn id="66" idx="2"/>
+            <a:endCxn id="26" idx="1"/>
+          </p:cNvCxnSpPr>
+          <p:nvPr/>
+        </p:nvCxnSpPr>
+        <p:spPr>
+          <a:xfrm rot="16200000" flipH="1">
+            <a:off x="6928468" y="3198856"/>
+            <a:ext cx="385307" cy="1001934"/>
+          </a:xfrm>
+          <a:prstGeom prst="bentConnector2">
+            <a:avLst/>
+          </a:prstGeom>
+          <a:ln w="19050">
+            <a:prstDash val="sysDot"/>
+            <a:headEnd type="none" w="med" len="med"/>
+            <a:tailEnd type="arrow" w="med" len="med"/>
+          </a:ln>
+          <a:effectLst/>
+        </p:spPr>
+        <p:style>
+          <a:lnRef idx="1">
+            <a:schemeClr val="accent6"/>
+          </a:lnRef>
+          <a:fillRef idx="2">
+            <a:schemeClr val="accent6"/>
+          </a:fillRef>
+          <a:effectRef idx="1">
+            <a:schemeClr val="accent6"/>
+          </a:effectRef>
+          <a:fontRef idx="minor">
+            <a:schemeClr val="dk1"/>
+          </a:fontRef>
+        </p:style>
+      </p:cxnSp>
+      <p:cxnSp>
+        <p:nvCxnSpPr>
+          <p:cNvPr id="44" name="Elbow Connector 122"/>
+          <p:cNvCxnSpPr>
+            <a:stCxn id="26" idx="0"/>
+            <a:endCxn id="74" idx="2"/>
+          </p:cNvCxnSpPr>
+          <p:nvPr/>
+        </p:nvCxnSpPr>
+        <p:spPr>
+          <a:xfrm rot="16200000" flipV="1">
+            <a:off x="8142416" y="3609566"/>
+            <a:ext cx="212713" cy="6350"/>
           </a:xfrm>
           <a:prstGeom prst="bentConnector3">
             <a:avLst>
